--- a/AulaVirtual/Pr_ctica/AED1.SesionPract4.pptx
+++ b/AulaVirtual/Pr_ctica/AED1.SesionPract4.pptx
@@ -319,7 +319,7 @@
             </a:extLst>
           </p:cNvPr>
           <p:cNvSpPr>
-            <a:spLocks noRot="1" noChangeArrowheads="1" noTextEdit="1"/>
+            <a:spLocks noGrp="1" noRot="1" noChangeAspect="1" noChangeArrowheads="1" noTextEdit="1"/>
           </p:cNvSpPr>
           <p:nvPr>
             <p:ph type="sldImg" idx="2"/>
